--- a/projects-for-the-practical-exam/house-pricing/presentation.pptx
+++ b/projects-for-the-practical-exam/house-pricing/presentation.pptx
@@ -6,7 +6,7 @@
     <p:sldMasterId id="2147484315" r:id="rId2"/>
   </p:sldMasterIdLst>
   <p:notesMasterIdLst>
-    <p:notesMasterId r:id="rId35"/>
+    <p:notesMasterId r:id="rId37"/>
   </p:notesMasterIdLst>
   <p:sldIdLst>
     <p:sldId id="256" r:id="rId3"/>
@@ -40,7 +40,9 @@
     <p:sldId id="301" r:id="rId31"/>
     <p:sldId id="302" r:id="rId32"/>
     <p:sldId id="281" r:id="rId33"/>
-    <p:sldId id="282" r:id="rId34"/>
+    <p:sldId id="303" r:id="rId34"/>
+    <p:sldId id="304" r:id="rId35"/>
+    <p:sldId id="305" r:id="rId36"/>
   </p:sldIdLst>
   <p:sldSz cx="12192000" cy="6858000"/>
   <p:notesSz cx="6858000" cy="9144000"/>
@@ -824,6 +826,258 @@
     <p:extLst>
       <p:ext uri="{BB962C8B-B14F-4D97-AF65-F5344CB8AC3E}">
         <p14:creationId xmlns:p14="http://schemas.microsoft.com/office/powerpoint/2010/main" val="1078889847"/>
+      </p:ext>
+    </p:extLst>
+  </p:cSld>
+  <p:clrMapOvr>
+    <a:masterClrMapping/>
+  </p:clrMapOvr>
+</p:notes>
+</file>
+
+<file path=ppt/notesSlides/notesSlide13.xml><?xml version="1.0" encoding="utf-8"?>
+<p:notes xmlns:a="http://schemas.openxmlformats.org/drawingml/2006/main" xmlns:r="http://schemas.openxmlformats.org/officeDocument/2006/relationships" xmlns:p="http://schemas.openxmlformats.org/presentationml/2006/main">
+  <p:cSld>
+    <p:spTree>
+      <p:nvGrpSpPr>
+        <p:cNvPr id="1" name=""/>
+        <p:cNvGrpSpPr/>
+        <p:nvPr/>
+      </p:nvGrpSpPr>
+      <p:grpSpPr>
+        <a:xfrm>
+          <a:off x="0" y="0"/>
+          <a:ext cx="0" cy="0"/>
+          <a:chOff x="0" y="0"/>
+          <a:chExt cx="0" cy="0"/>
+        </a:xfrm>
+      </p:grpSpPr>
+      <p:sp>
+        <p:nvSpPr>
+          <p:cNvPr id="2" name="Slide Image Placeholder 1"/>
+          <p:cNvSpPr>
+            <a:spLocks noGrp="1" noRot="1" noChangeAspect="1"/>
+          </p:cNvSpPr>
+          <p:nvPr>
+            <p:ph type="sldImg"/>
+          </p:nvPr>
+        </p:nvSpPr>
+        <p:spPr/>
+      </p:sp>
+      <p:sp>
+        <p:nvSpPr>
+          <p:cNvPr id="3" name="Notes Placeholder 2"/>
+          <p:cNvSpPr>
+            <a:spLocks noGrp="1"/>
+          </p:cNvSpPr>
+          <p:nvPr>
+            <p:ph type="body" idx="1"/>
+          </p:nvPr>
+        </p:nvSpPr>
+        <p:spPr/>
+        <p:txBody>
+          <a:bodyPr/>
+          <a:lstStyle/>
+          <a:p>
+            <a:endParaRPr lang="en-GB" dirty="0"/>
+          </a:p>
+        </p:txBody>
+      </p:sp>
+      <p:sp>
+        <p:nvSpPr>
+          <p:cNvPr id="4" name="Slide Number Placeholder 3"/>
+          <p:cNvSpPr>
+            <a:spLocks noGrp="1"/>
+          </p:cNvSpPr>
+          <p:nvPr>
+            <p:ph type="sldNum" sz="quarter" idx="5"/>
+          </p:nvPr>
+        </p:nvSpPr>
+        <p:spPr/>
+        <p:txBody>
+          <a:bodyPr/>
+          <a:lstStyle/>
+          <a:p>
+            <a:fld id="{DE7DB6F3-C317-432C-9F5F-8F92F36BAEC8}" type="slidenum">
+              <a:rPr lang="en-GB" smtClean="0"/>
+              <a:t>32</a:t>
+            </a:fld>
+            <a:endParaRPr lang="en-GB"/>
+          </a:p>
+        </p:txBody>
+      </p:sp>
+    </p:spTree>
+    <p:extLst>
+      <p:ext uri="{BB962C8B-B14F-4D97-AF65-F5344CB8AC3E}">
+        <p14:creationId xmlns:p14="http://schemas.microsoft.com/office/powerpoint/2010/main" val="4066521852"/>
+      </p:ext>
+    </p:extLst>
+  </p:cSld>
+  <p:clrMapOvr>
+    <a:masterClrMapping/>
+  </p:clrMapOvr>
+</p:notes>
+</file>
+
+<file path=ppt/notesSlides/notesSlide14.xml><?xml version="1.0" encoding="utf-8"?>
+<p:notes xmlns:a="http://schemas.openxmlformats.org/drawingml/2006/main" xmlns:r="http://schemas.openxmlformats.org/officeDocument/2006/relationships" xmlns:p="http://schemas.openxmlformats.org/presentationml/2006/main">
+  <p:cSld>
+    <p:spTree>
+      <p:nvGrpSpPr>
+        <p:cNvPr id="1" name=""/>
+        <p:cNvGrpSpPr/>
+        <p:nvPr/>
+      </p:nvGrpSpPr>
+      <p:grpSpPr>
+        <a:xfrm>
+          <a:off x="0" y="0"/>
+          <a:ext cx="0" cy="0"/>
+          <a:chOff x="0" y="0"/>
+          <a:chExt cx="0" cy="0"/>
+        </a:xfrm>
+      </p:grpSpPr>
+      <p:sp>
+        <p:nvSpPr>
+          <p:cNvPr id="2" name="Slide Image Placeholder 1"/>
+          <p:cNvSpPr>
+            <a:spLocks noGrp="1" noRot="1" noChangeAspect="1"/>
+          </p:cNvSpPr>
+          <p:nvPr>
+            <p:ph type="sldImg"/>
+          </p:nvPr>
+        </p:nvSpPr>
+        <p:spPr/>
+      </p:sp>
+      <p:sp>
+        <p:nvSpPr>
+          <p:cNvPr id="3" name="Notes Placeholder 2"/>
+          <p:cNvSpPr>
+            <a:spLocks noGrp="1"/>
+          </p:cNvSpPr>
+          <p:nvPr>
+            <p:ph type="body" idx="1"/>
+          </p:nvPr>
+        </p:nvSpPr>
+        <p:spPr/>
+        <p:txBody>
+          <a:bodyPr/>
+          <a:lstStyle/>
+          <a:p>
+            <a:endParaRPr lang="en-GB" dirty="0"/>
+          </a:p>
+        </p:txBody>
+      </p:sp>
+      <p:sp>
+        <p:nvSpPr>
+          <p:cNvPr id="4" name="Slide Number Placeholder 3"/>
+          <p:cNvSpPr>
+            <a:spLocks noGrp="1"/>
+          </p:cNvSpPr>
+          <p:nvPr>
+            <p:ph type="sldNum" sz="quarter" idx="5"/>
+          </p:nvPr>
+        </p:nvSpPr>
+        <p:spPr/>
+        <p:txBody>
+          <a:bodyPr/>
+          <a:lstStyle/>
+          <a:p>
+            <a:fld id="{DE7DB6F3-C317-432C-9F5F-8F92F36BAEC8}" type="slidenum">
+              <a:rPr lang="en-GB" smtClean="0"/>
+              <a:t>33</a:t>
+            </a:fld>
+            <a:endParaRPr lang="en-GB"/>
+          </a:p>
+        </p:txBody>
+      </p:sp>
+    </p:spTree>
+    <p:extLst>
+      <p:ext uri="{BB962C8B-B14F-4D97-AF65-F5344CB8AC3E}">
+        <p14:creationId xmlns:p14="http://schemas.microsoft.com/office/powerpoint/2010/main" val="1469688075"/>
+      </p:ext>
+    </p:extLst>
+  </p:cSld>
+  <p:clrMapOvr>
+    <a:masterClrMapping/>
+  </p:clrMapOvr>
+</p:notes>
+</file>
+
+<file path=ppt/notesSlides/notesSlide15.xml><?xml version="1.0" encoding="utf-8"?>
+<p:notes xmlns:a="http://schemas.openxmlformats.org/drawingml/2006/main" xmlns:r="http://schemas.openxmlformats.org/officeDocument/2006/relationships" xmlns:p="http://schemas.openxmlformats.org/presentationml/2006/main">
+  <p:cSld>
+    <p:spTree>
+      <p:nvGrpSpPr>
+        <p:cNvPr id="1" name=""/>
+        <p:cNvGrpSpPr/>
+        <p:nvPr/>
+      </p:nvGrpSpPr>
+      <p:grpSpPr>
+        <a:xfrm>
+          <a:off x="0" y="0"/>
+          <a:ext cx="0" cy="0"/>
+          <a:chOff x="0" y="0"/>
+          <a:chExt cx="0" cy="0"/>
+        </a:xfrm>
+      </p:grpSpPr>
+      <p:sp>
+        <p:nvSpPr>
+          <p:cNvPr id="2" name="Slide Image Placeholder 1"/>
+          <p:cNvSpPr>
+            <a:spLocks noGrp="1" noRot="1" noChangeAspect="1"/>
+          </p:cNvSpPr>
+          <p:nvPr>
+            <p:ph type="sldImg"/>
+          </p:nvPr>
+        </p:nvSpPr>
+        <p:spPr/>
+      </p:sp>
+      <p:sp>
+        <p:nvSpPr>
+          <p:cNvPr id="3" name="Notes Placeholder 2"/>
+          <p:cNvSpPr>
+            <a:spLocks noGrp="1"/>
+          </p:cNvSpPr>
+          <p:nvPr>
+            <p:ph type="body" idx="1"/>
+          </p:nvPr>
+        </p:nvSpPr>
+        <p:spPr/>
+        <p:txBody>
+          <a:bodyPr/>
+          <a:lstStyle/>
+          <a:p>
+            <a:endParaRPr lang="en-GB" dirty="0"/>
+          </a:p>
+        </p:txBody>
+      </p:sp>
+      <p:sp>
+        <p:nvSpPr>
+          <p:cNvPr id="4" name="Slide Number Placeholder 3"/>
+          <p:cNvSpPr>
+            <a:spLocks noGrp="1"/>
+          </p:cNvSpPr>
+          <p:nvPr>
+            <p:ph type="sldNum" sz="quarter" idx="5"/>
+          </p:nvPr>
+        </p:nvSpPr>
+        <p:spPr/>
+        <p:txBody>
+          <a:bodyPr/>
+          <a:lstStyle/>
+          <a:p>
+            <a:fld id="{DE7DB6F3-C317-432C-9F5F-8F92F36BAEC8}" type="slidenum">
+              <a:rPr lang="en-GB" smtClean="0"/>
+              <a:t>34</a:t>
+            </a:fld>
+            <a:endParaRPr lang="en-GB"/>
+          </a:p>
+        </p:txBody>
+      </p:sp>
+    </p:spTree>
+    <p:extLst>
+      <p:ext uri="{BB962C8B-B14F-4D97-AF65-F5344CB8AC3E}">
+        <p14:creationId xmlns:p14="http://schemas.microsoft.com/office/powerpoint/2010/main" val="341681597"/>
       </p:ext>
     </p:extLst>
   </p:cSld>
@@ -31506,10 +31760,10 @@
       </p:grpSpPr>
       <p:sp useBgFill="1">
         <p:nvSpPr>
-          <p:cNvPr id="114" name="Rectangle 113">
+          <p:cNvPr id="95" name="Rectangle 89">
             <a:extLst>
               <a:ext uri="{FF2B5EF4-FFF2-40B4-BE49-F238E27FC236}">
-                <a16:creationId xmlns:a16="http://schemas.microsoft.com/office/drawing/2014/main" id="{C7FA33FF-088D-4F16-95A2-2C64D353DEA8}"/>
+                <a16:creationId xmlns:a16="http://schemas.microsoft.com/office/drawing/2014/main" id="{C681C32C-7AFC-4BB3-9088-65CBDFC5D1C2}"/>
               </a:ext>
               <a:ext uri="{C183D7F6-B498-43B3-948B-1728B52AA6E4}">
                 <adec:decorative xmlns:adec="http://schemas.microsoft.com/office/drawing/2017/decorative" val="1"/>
@@ -31529,8 +31783,8 @@
         </p:nvSpPr>
         <p:spPr>
           <a:xfrm>
-            <a:off x="1524" y="0"/>
-            <a:ext cx="12188952" cy="6858000"/>
+            <a:off x="0" y="2"/>
+            <a:ext cx="12192000" cy="6857997"/>
           </a:xfrm>
           <a:prstGeom prst="rect">
             <a:avLst/>
@@ -31559,46 +31813,139 @@
           <a:bodyPr rtlCol="0" anchor="ctr"/>
           <a:lstStyle/>
           <a:p>
-            <a:pPr marL="0" marR="0" lvl="0" indent="0" algn="ctr" defTabSz="914400" rtl="0" eaLnBrk="1" fontAlgn="auto" latinLnBrk="0" hangingPunct="1">
-              <a:lnSpc>
-                <a:spcPct val="100000"/>
-              </a:lnSpc>
-              <a:spcBef>
-                <a:spcPts val="0"/>
-              </a:spcBef>
-              <a:spcAft>
-                <a:spcPts val="0"/>
-              </a:spcAft>
-              <a:buClrTx/>
-              <a:buSzTx/>
-              <a:buFontTx/>
-              <a:buNone/>
-              <a:tabLst/>
-              <a:defRPr/>
-            </a:pPr>
-            <a:endParaRPr kumimoji="0" lang="en-US" sz="1800" b="0" i="0" u="none" strike="noStrike" kern="1200" cap="none" spc="0" normalizeH="0" baseline="0" noProof="0">
-              <a:ln>
-                <a:noFill/>
-              </a:ln>
-              <a:solidFill>
-                <a:prstClr val="white"/>
-              </a:solidFill>
-              <a:effectLst/>
-              <a:uLnTx/>
-              <a:uFillTx/>
-              <a:latin typeface="Calibri" panose="020F0502020204030204"/>
-              <a:ea typeface="+mn-ea"/>
-              <a:cs typeface="+mn-cs"/>
-            </a:endParaRPr>
+            <a:pPr algn="ctr"/>
+            <a:endParaRPr lang="en-US"/>
           </a:p>
         </p:txBody>
       </p:sp>
       <p:sp>
         <p:nvSpPr>
-          <p:cNvPr id="116" name="Rectangle 115">
+          <p:cNvPr id="2" name="Title 1">
             <a:extLst>
               <a:ext uri="{FF2B5EF4-FFF2-40B4-BE49-F238E27FC236}">
-                <a16:creationId xmlns:a16="http://schemas.microsoft.com/office/drawing/2014/main" id="{A376EFB1-01CF-419F-ABF1-2AF02BBFCBD1}"/>
+                <a16:creationId xmlns:a16="http://schemas.microsoft.com/office/drawing/2014/main" id="{25E8FA48-27FA-46BB-8ED7-936F48B12573}"/>
+              </a:ext>
+            </a:extLst>
+          </p:cNvPr>
+          <p:cNvSpPr>
+            <a:spLocks noGrp="1"/>
+          </p:cNvSpPr>
+          <p:nvPr>
+            <p:ph type="title"/>
+          </p:nvPr>
+        </p:nvSpPr>
+        <p:spPr>
+          <a:xfrm>
+            <a:off x="917275" y="4583953"/>
+            <a:ext cx="4685857" cy="1465973"/>
+          </a:xfrm>
+        </p:spPr>
+        <p:txBody>
+          <a:bodyPr vert="horz" lIns="91440" tIns="45720" rIns="91440" bIns="45720" rtlCol="0" anchor="t">
+            <a:normAutofit/>
+          </a:bodyPr>
+          <a:lstStyle/>
+          <a:p>
+            <a:r>
+              <a:rPr lang="en-US" sz="4000" kern="1200" dirty="0">
+                <a:latin typeface="+mn-lt"/>
+                <a:ea typeface="+mn-ea"/>
+                <a:cs typeface="+mn-cs"/>
+              </a:rPr>
+              <a:t>Lot Area VS Sale Price</a:t>
+            </a:r>
+            <a:br>
+              <a:rPr lang="en-US" sz="4000" kern="1200" dirty="0">
+                <a:latin typeface="+mn-lt"/>
+                <a:ea typeface="+mn-ea"/>
+                <a:cs typeface="+mn-cs"/>
+              </a:rPr>
+            </a:br>
+            <a:endParaRPr lang="en-US" sz="4000" kern="1200" dirty="0">
+              <a:latin typeface="+mj-lt"/>
+              <a:ea typeface="+mj-ea"/>
+              <a:cs typeface="+mj-cs"/>
+            </a:endParaRPr>
+          </a:p>
+        </p:txBody>
+      </p:sp>
+      <p:pic>
+        <p:nvPicPr>
+          <p:cNvPr id="5" name="Picture 4" descr="Chart, scatter chart&#10;&#10;Description automatically generated">
+            <a:extLst>
+              <a:ext uri="{FF2B5EF4-FFF2-40B4-BE49-F238E27FC236}">
+                <a16:creationId xmlns:a16="http://schemas.microsoft.com/office/drawing/2014/main" id="{CA251523-A946-4B37-9EF7-581DB2ACF0FA}"/>
+              </a:ext>
+            </a:extLst>
+          </p:cNvPr>
+          <p:cNvPicPr>
+            <a:picLocks noChangeAspect="1"/>
+          </p:cNvPicPr>
+          <p:nvPr/>
+        </p:nvPicPr>
+        <p:blipFill rotWithShape="1">
+          <a:blip r:embed="rId3">
+            <a:extLst>
+              <a:ext uri="{28A0092B-C50C-407E-A947-70E740481C1C}">
+                <a14:useLocalDpi xmlns:a14="http://schemas.microsoft.com/office/drawing/2010/main" val="0"/>
+              </a:ext>
+            </a:extLst>
+          </a:blip>
+          <a:srcRect l="5934" r="1" b="1"/>
+          <a:stretch/>
+        </p:blipFill>
+        <p:spPr>
+          <a:xfrm>
+            <a:off x="20" y="-50939"/>
+            <a:ext cx="12191980" cy="4244759"/>
+          </a:xfrm>
+          <a:prstGeom prst="rect">
+            <a:avLst/>
+          </a:prstGeom>
+        </p:spPr>
+      </p:pic>
+      <p:sp>
+        <p:nvSpPr>
+          <p:cNvPr id="7" name="Content Placeholder 6">
+            <a:extLst>
+              <a:ext uri="{FF2B5EF4-FFF2-40B4-BE49-F238E27FC236}">
+                <a16:creationId xmlns:a16="http://schemas.microsoft.com/office/drawing/2014/main" id="{C2981C57-CEF6-47F3-9163-0469D460AE21}"/>
+              </a:ext>
+            </a:extLst>
+          </p:cNvPr>
+          <p:cNvSpPr>
+            <a:spLocks noGrp="1"/>
+          </p:cNvSpPr>
+          <p:nvPr>
+            <p:ph idx="1"/>
+          </p:nvPr>
+        </p:nvSpPr>
+        <p:spPr>
+          <a:xfrm>
+            <a:off x="6096000" y="4583953"/>
+            <a:ext cx="5638800" cy="1465973"/>
+          </a:xfrm>
+        </p:spPr>
+        <p:txBody>
+          <a:bodyPr>
+            <a:normAutofit/>
+          </a:bodyPr>
+          <a:lstStyle/>
+          <a:p>
+            <a:r>
+              <a:rPr lang="en-US" sz="2000"/>
+              <a:t>Probably the strongest factor that impacts a house’s price within this dataset is the lot area. This is obvious through the previous plots.</a:t>
+            </a:r>
+            <a:endParaRPr lang="en-GB" sz="2000" dirty="0"/>
+          </a:p>
+        </p:txBody>
+      </p:sp>
+      <p:sp>
+        <p:nvSpPr>
+          <p:cNvPr id="96" name="Rectangle 91">
+            <a:extLst>
+              <a:ext uri="{FF2B5EF4-FFF2-40B4-BE49-F238E27FC236}">
+                <a16:creationId xmlns:a16="http://schemas.microsoft.com/office/drawing/2014/main" id="{199C0ED0-69DE-4C31-A5CF-E2A46FD30226}"/>
               </a:ext>
               <a:ext uri="{C183D7F6-B498-43B3-948B-1728B52AA6E4}">
                 <adec:decorative xmlns:adec="http://schemas.microsoft.com/office/drawing/2017/decorative" val="1"/>
@@ -31617,18 +31964,24 @@
           </p:nvPr>
         </p:nvSpPr>
         <p:spPr>
-          <a:xfrm>
-            <a:off x="0" y="0"/>
-            <a:ext cx="4709160" cy="6858000"/>
+          <a:xfrm rot="10800000" flipH="1">
+            <a:off x="0" y="6400799"/>
+            <a:ext cx="12192000" cy="456773"/>
           </a:xfrm>
           <a:prstGeom prst="rect">
             <a:avLst/>
           </a:prstGeom>
-          <a:solidFill>
-            <a:schemeClr val="tx1">
-              <a:alpha val="81000"/>
-            </a:schemeClr>
-          </a:solidFill>
+          <a:gradFill>
+            <a:gsLst>
+              <a:gs pos="0">
+                <a:schemeClr val="accent1"/>
+              </a:gs>
+              <a:gs pos="78000">
+                <a:srgbClr val="000000"/>
+              </a:gs>
+            </a:gsLst>
+            <a:lin ang="2400000" scaled="0"/>
+          </a:gradFill>
           <a:ln>
             <a:noFill/>
           </a:ln>
@@ -31653,46 +32006,17 @@
           <a:bodyPr rtlCol="0" anchor="ctr"/>
           <a:lstStyle/>
           <a:p>
-            <a:pPr marL="0" marR="0" lvl="0" indent="0" algn="ctr" defTabSz="914400" rtl="0" eaLnBrk="1" fontAlgn="auto" latinLnBrk="0" hangingPunct="1">
-              <a:lnSpc>
-                <a:spcPct val="100000"/>
-              </a:lnSpc>
-              <a:spcBef>
-                <a:spcPts val="0"/>
-              </a:spcBef>
-              <a:spcAft>
-                <a:spcPts val="0"/>
-              </a:spcAft>
-              <a:buClrTx/>
-              <a:buSzTx/>
-              <a:buFontTx/>
-              <a:buNone/>
-              <a:tabLst/>
-              <a:defRPr/>
-            </a:pPr>
-            <a:endParaRPr kumimoji="0" lang="en-US" sz="1800" b="0" i="0" u="none" strike="noStrike" kern="1200" cap="none" spc="0" normalizeH="0" baseline="0" noProof="0">
-              <a:ln>
-                <a:noFill/>
-              </a:ln>
-              <a:solidFill>
-                <a:prstClr val="white"/>
-              </a:solidFill>
-              <a:effectLst/>
-              <a:uLnTx/>
-              <a:uFillTx/>
-              <a:latin typeface="Calibri" panose="020F0502020204030204"/>
-              <a:ea typeface="+mn-ea"/>
-              <a:cs typeface="+mn-cs"/>
-            </a:endParaRPr>
+            <a:pPr algn="ctr"/>
+            <a:endParaRPr lang="en-US"/>
           </a:p>
         </p:txBody>
       </p:sp>
       <p:sp>
         <p:nvSpPr>
-          <p:cNvPr id="118" name="Freeform: Shape 117">
+          <p:cNvPr id="94" name="Rectangle 93">
             <a:extLst>
               <a:ext uri="{FF2B5EF4-FFF2-40B4-BE49-F238E27FC236}">
-                <a16:creationId xmlns:a16="http://schemas.microsoft.com/office/drawing/2014/main" id="{FF9DEA15-78BD-4750-AA18-B9F28A6D5AB8}"/>
+                <a16:creationId xmlns:a16="http://schemas.microsoft.com/office/drawing/2014/main" id="{8D42B8BD-40AF-488E-8A79-D7256C917229}"/>
               </a:ext>
               <a:ext uri="{C183D7F6-B498-43B3-948B-1728B52AA6E4}">
                 <adec:decorative xmlns:adec="http://schemas.microsoft.com/office/drawing/2017/decorative" val="1"/>
@@ -31711,61 +32035,28 @@
           </p:nvPr>
         </p:nvSpPr>
         <p:spPr>
-          <a:xfrm>
-            <a:off x="0" y="0"/>
-            <a:ext cx="3284331" cy="6858000"/>
+          <a:xfrm flipH="1">
+            <a:off x="4038600" y="6400799"/>
+            <a:ext cx="8153398" cy="456772"/>
           </a:xfrm>
-          <a:custGeom>
+          <a:prstGeom prst="rect">
             <a:avLst/>
-            <a:gdLst>
-              <a:gd name="connsiteX0" fmla="*/ 0 w 4319042"/>
-              <a:gd name="connsiteY0" fmla="*/ 0 h 6858000"/>
-              <a:gd name="connsiteX1" fmla="*/ 1142888 w 4319042"/>
-              <a:gd name="connsiteY1" fmla="*/ 0 h 6858000"/>
-              <a:gd name="connsiteX2" fmla="*/ 4319042 w 4319042"/>
-              <a:gd name="connsiteY2" fmla="*/ 6858000 h 6858000"/>
-              <a:gd name="connsiteX3" fmla="*/ 0 w 4319042"/>
-              <a:gd name="connsiteY3" fmla="*/ 6858000 h 6858000"/>
-            </a:gdLst>
-            <a:ahLst/>
-            <a:cxnLst>
-              <a:cxn ang="0">
-                <a:pos x="connsiteX0" y="connsiteY0"/>
-              </a:cxn>
-              <a:cxn ang="0">
-                <a:pos x="connsiteX1" y="connsiteY1"/>
-              </a:cxn>
-              <a:cxn ang="0">
-                <a:pos x="connsiteX2" y="connsiteY2"/>
-              </a:cxn>
-              <a:cxn ang="0">
-                <a:pos x="connsiteX3" y="connsiteY3"/>
-              </a:cxn>
-            </a:cxnLst>
-            <a:rect l="l" t="t" r="r" b="b"/>
-            <a:pathLst>
-              <a:path w="4319042" h="6858000">
-                <a:moveTo>
-                  <a:pt x="0" y="0"/>
-                </a:moveTo>
-                <a:lnTo>
-                  <a:pt x="1142888" y="0"/>
-                </a:lnTo>
-                <a:lnTo>
-                  <a:pt x="4319042" y="6858000"/>
-                </a:lnTo>
-                <a:lnTo>
-                  <a:pt x="0" y="6858000"/>
-                </a:lnTo>
-                <a:close/>
-              </a:path>
-            </a:pathLst>
-          </a:custGeom>
-          <a:solidFill>
-            <a:schemeClr val="tx1">
-              <a:alpha val="35000"/>
-            </a:schemeClr>
-          </a:solidFill>
+          </a:prstGeom>
+          <a:gradFill>
+            <a:gsLst>
+              <a:gs pos="0">
+                <a:srgbClr val="000000">
+                  <a:alpha val="63000"/>
+                </a:srgbClr>
+              </a:gs>
+              <a:gs pos="100000">
+                <a:schemeClr val="accent1">
+                  <a:lumMod val="75000"/>
+                </a:schemeClr>
+              </a:gs>
+            </a:gsLst>
+            <a:lin ang="13800000" scaled="0"/>
+          </a:gradFill>
           <a:ln>
             <a:noFill/>
           </a:ln>
@@ -31787,42 +32078,109 @@
           </a:fontRef>
         </p:style>
         <p:txBody>
-          <a:bodyPr wrap="square" rtlCol="0" anchor="ctr">
-            <a:noAutofit/>
-          </a:bodyPr>
+          <a:bodyPr rtlCol="0" anchor="ctr"/>
           <a:lstStyle/>
           <a:p>
-            <a:pPr marL="0" marR="0" lvl="0" indent="0" algn="ctr" defTabSz="914400" rtl="0" eaLnBrk="1" fontAlgn="auto" latinLnBrk="0" hangingPunct="1">
-              <a:lnSpc>
-                <a:spcPct val="100000"/>
-              </a:lnSpc>
-              <a:spcBef>
-                <a:spcPts val="0"/>
-              </a:spcBef>
-              <a:spcAft>
-                <a:spcPts val="0"/>
-              </a:spcAft>
-              <a:buClrTx/>
-              <a:buSzTx/>
-              <a:buFontTx/>
-              <a:buNone/>
-              <a:tabLst/>
-              <a:defRPr/>
-            </a:pPr>
-            <a:endParaRPr kumimoji="0" lang="en-US" sz="1800" b="0" i="0" u="none" strike="noStrike" kern="1200" cap="none" spc="0" normalizeH="0" baseline="0" noProof="0">
-              <a:ln>
-                <a:noFill/>
-              </a:ln>
-              <a:solidFill>
-                <a:prstClr val="white"/>
-              </a:solidFill>
-              <a:effectLst/>
-              <a:uLnTx/>
-              <a:uFillTx/>
-              <a:latin typeface="Calibri" panose="020F0502020204030204"/>
-              <a:ea typeface="+mn-ea"/>
-              <a:cs typeface="+mn-cs"/>
-            </a:endParaRPr>
+            <a:pPr algn="ctr"/>
+            <a:endParaRPr lang="en-US"/>
+          </a:p>
+        </p:txBody>
+      </p:sp>
+    </p:spTree>
+    <p:extLst>
+      <p:ext uri="{BB962C8B-B14F-4D97-AF65-F5344CB8AC3E}">
+        <p14:creationId xmlns:p14="http://schemas.microsoft.com/office/powerpoint/2010/main" val="592036657"/>
+      </p:ext>
+    </p:extLst>
+  </p:cSld>
+  <p:clrMapOvr>
+    <a:masterClrMapping/>
+  </p:clrMapOvr>
+</p:sld>
+</file>
+
+<file path=ppt/slides/slide33.xml><?xml version="1.0" encoding="utf-8"?>
+<p:sld xmlns:a="http://schemas.openxmlformats.org/drawingml/2006/main" xmlns:r="http://schemas.openxmlformats.org/officeDocument/2006/relationships" xmlns:p="http://schemas.openxmlformats.org/presentationml/2006/main">
+  <p:cSld>
+    <p:bg>
+      <p:bgPr>
+        <a:solidFill>
+          <a:schemeClr val="bg1"/>
+        </a:solidFill>
+        <a:effectLst/>
+      </p:bgPr>
+    </p:bg>
+    <p:spTree>
+      <p:nvGrpSpPr>
+        <p:cNvPr id="1" name=""/>
+        <p:cNvGrpSpPr/>
+        <p:nvPr/>
+      </p:nvGrpSpPr>
+      <p:grpSpPr>
+        <a:xfrm>
+          <a:off x="0" y="0"/>
+          <a:ext cx="0" cy="0"/>
+          <a:chOff x="0" y="0"/>
+          <a:chExt cx="0" cy="0"/>
+        </a:xfrm>
+      </p:grpSpPr>
+      <p:sp useBgFill="1">
+        <p:nvSpPr>
+          <p:cNvPr id="95" name="Rectangle 89">
+            <a:extLst>
+              <a:ext uri="{FF2B5EF4-FFF2-40B4-BE49-F238E27FC236}">
+                <a16:creationId xmlns:a16="http://schemas.microsoft.com/office/drawing/2014/main" id="{C681C32C-7AFC-4BB3-9088-65CBDFC5D1C2}"/>
+              </a:ext>
+              <a:ext uri="{C183D7F6-B498-43B3-948B-1728B52AA6E4}">
+                <adec:decorative xmlns:adec="http://schemas.microsoft.com/office/drawing/2017/decorative" val="1"/>
+              </a:ext>
+            </a:extLst>
+          </p:cNvPr>
+          <p:cNvSpPr>
+            <a:spLocks noGrp="1" noRot="1" noChangeAspect="1" noMove="1" noResize="1" noEditPoints="1" noAdjustHandles="1" noChangeArrowheads="1" noChangeShapeType="1" noTextEdit="1"/>
+          </p:cNvSpPr>
+          <p:nvPr>
+            <p:extLst>
+              <p:ext uri="{386F3935-93C4-4BCD-93E2-E3B085C9AB24}">
+                <p16:designElem xmlns:p16="http://schemas.microsoft.com/office/powerpoint/2015/main" val="1"/>
+              </p:ext>
+            </p:extLst>
+          </p:nvPr>
+        </p:nvSpPr>
+        <p:spPr>
+          <a:xfrm>
+            <a:off x="0" y="2"/>
+            <a:ext cx="12192000" cy="6857997"/>
+          </a:xfrm>
+          <a:prstGeom prst="rect">
+            <a:avLst/>
+          </a:prstGeom>
+          <a:ln>
+            <a:noFill/>
+          </a:ln>
+        </p:spPr>
+        <p:style>
+          <a:lnRef idx="2">
+            <a:schemeClr val="accent1">
+              <a:shade val="50000"/>
+            </a:schemeClr>
+          </a:lnRef>
+          <a:fillRef idx="1">
+            <a:schemeClr val="accent1"/>
+          </a:fillRef>
+          <a:effectRef idx="0">
+            <a:schemeClr val="accent1"/>
+          </a:effectRef>
+          <a:fontRef idx="minor">
+            <a:schemeClr val="lt1"/>
+          </a:fontRef>
+        </p:style>
+        <p:txBody>
+          <a:bodyPr rtlCol="0" anchor="ctr"/>
+          <a:lstStyle/>
+          <a:p>
+            <a:pPr algn="ctr"/>
+            <a:endParaRPr lang="en-US"/>
           </a:p>
         </p:txBody>
       </p:sp>
@@ -31844,38 +32202,45 @@
         </p:nvSpPr>
         <p:spPr>
           <a:xfrm>
-            <a:off x="590309" y="640080"/>
-            <a:ext cx="3877519" cy="5257800"/>
+            <a:off x="917275" y="4583953"/>
+            <a:ext cx="4685857" cy="1465973"/>
           </a:xfrm>
         </p:spPr>
         <p:txBody>
-          <a:bodyPr>
-            <a:normAutofit/>
+          <a:bodyPr vert="horz" lIns="91440" tIns="45720" rIns="91440" bIns="45720" rtlCol="0" anchor="t">
+            <a:normAutofit fontScale="90000"/>
           </a:bodyPr>
           <a:lstStyle/>
           <a:p>
             <a:r>
-              <a:rPr lang="en-US" dirty="0">
-                <a:solidFill>
-                  <a:schemeClr val="bg1"/>
-                </a:solidFill>
+              <a:rPr lang="en-US" sz="4000" kern="1200" dirty="0">
+                <a:latin typeface="+mn-lt"/>
+                <a:ea typeface="+mn-ea"/>
+                <a:cs typeface="+mn-cs"/>
               </a:rPr>
-              <a:t>Data Cleaning</a:t>
+              <a:t>Overall Quality VS Sale Price</a:t>
             </a:r>
-            <a:endParaRPr lang="en-GB" sz="3400" dirty="0">
-              <a:solidFill>
-                <a:schemeClr val="bg1"/>
-              </a:solidFill>
+            <a:br>
+              <a:rPr lang="en-US" sz="4000" kern="1200" dirty="0">
+                <a:latin typeface="+mn-lt"/>
+                <a:ea typeface="+mn-ea"/>
+                <a:cs typeface="+mn-cs"/>
+              </a:rPr>
+            </a:br>
+            <a:endParaRPr lang="en-US" sz="4000" kern="1200" dirty="0">
+              <a:latin typeface="+mj-lt"/>
+              <a:ea typeface="+mj-ea"/>
+              <a:cs typeface="+mj-cs"/>
             </a:endParaRPr>
           </a:p>
         </p:txBody>
       </p:sp>
       <p:sp>
         <p:nvSpPr>
-          <p:cNvPr id="3" name="Content Placeholder 2">
+          <p:cNvPr id="7" name="Content Placeholder 6">
             <a:extLst>
               <a:ext uri="{FF2B5EF4-FFF2-40B4-BE49-F238E27FC236}">
-                <a16:creationId xmlns:a16="http://schemas.microsoft.com/office/drawing/2014/main" id="{B8730E44-7089-4B06-A999-C1BEBCA8BB24}"/>
+                <a16:creationId xmlns:a16="http://schemas.microsoft.com/office/drawing/2014/main" id="{C2981C57-CEF6-47F3-9163-0469D460AE21}"/>
               </a:ext>
             </a:extLst>
           </p:cNvPr>
@@ -31888,29 +32253,590 @@
         </p:nvSpPr>
         <p:spPr>
           <a:xfrm>
-            <a:off x="5358384" y="452063"/>
-            <a:ext cx="6024654" cy="6174768"/>
+            <a:off x="6096000" y="4583953"/>
+            <a:ext cx="5638800" cy="1465973"/>
           </a:xfrm>
         </p:spPr>
         <p:txBody>
-          <a:bodyPr anchor="ctr">
+          <a:bodyPr>
             <a:normAutofit/>
           </a:bodyPr>
           <a:lstStyle/>
           <a:p>
-            <a:endParaRPr lang="en-US" sz="2400" dirty="0"/>
+            <a:r>
+              <a:rPr lang="en-US" sz="2000" dirty="0"/>
+              <a:t>Also, one of the factors that appeared to have a great impact on the prices is the overall rating quality of materials used in construction and finishing.</a:t>
+            </a:r>
+            <a:endParaRPr lang="en-GB" sz="2000" dirty="0"/>
           </a:p>
         </p:txBody>
       </p:sp>
+      <p:sp>
+        <p:nvSpPr>
+          <p:cNvPr id="96" name="Rectangle 91">
+            <a:extLst>
+              <a:ext uri="{FF2B5EF4-FFF2-40B4-BE49-F238E27FC236}">
+                <a16:creationId xmlns:a16="http://schemas.microsoft.com/office/drawing/2014/main" id="{199C0ED0-69DE-4C31-A5CF-E2A46FD30226}"/>
+              </a:ext>
+              <a:ext uri="{C183D7F6-B498-43B3-948B-1728B52AA6E4}">
+                <adec:decorative xmlns:adec="http://schemas.microsoft.com/office/drawing/2017/decorative" val="1"/>
+              </a:ext>
+            </a:extLst>
+          </p:cNvPr>
+          <p:cNvSpPr>
+            <a:spLocks noGrp="1" noRot="1" noChangeAspect="1" noMove="1" noResize="1" noEditPoints="1" noAdjustHandles="1" noChangeArrowheads="1" noChangeShapeType="1" noTextEdit="1"/>
+          </p:cNvSpPr>
+          <p:nvPr>
+            <p:extLst>
+              <p:ext uri="{386F3935-93C4-4BCD-93E2-E3B085C9AB24}">
+                <p16:designElem xmlns:p16="http://schemas.microsoft.com/office/powerpoint/2015/main" val="1"/>
+              </p:ext>
+            </p:extLst>
+          </p:nvPr>
+        </p:nvSpPr>
+        <p:spPr>
+          <a:xfrm rot="10800000" flipH="1">
+            <a:off x="0" y="6400799"/>
+            <a:ext cx="12192000" cy="456773"/>
+          </a:xfrm>
+          <a:prstGeom prst="rect">
+            <a:avLst/>
+          </a:prstGeom>
+          <a:gradFill>
+            <a:gsLst>
+              <a:gs pos="0">
+                <a:schemeClr val="accent1"/>
+              </a:gs>
+              <a:gs pos="78000">
+                <a:srgbClr val="000000"/>
+              </a:gs>
+            </a:gsLst>
+            <a:lin ang="2400000" scaled="0"/>
+          </a:gradFill>
+          <a:ln>
+            <a:noFill/>
+          </a:ln>
+        </p:spPr>
+        <p:style>
+          <a:lnRef idx="2">
+            <a:schemeClr val="accent1">
+              <a:shade val="50000"/>
+            </a:schemeClr>
+          </a:lnRef>
+          <a:fillRef idx="1">
+            <a:schemeClr val="accent1"/>
+          </a:fillRef>
+          <a:effectRef idx="0">
+            <a:schemeClr val="accent1"/>
+          </a:effectRef>
+          <a:fontRef idx="minor">
+            <a:schemeClr val="lt1"/>
+          </a:fontRef>
+        </p:style>
+        <p:txBody>
+          <a:bodyPr rtlCol="0" anchor="ctr"/>
+          <a:lstStyle/>
+          <a:p>
+            <a:pPr algn="ctr"/>
+            <a:endParaRPr lang="en-US"/>
+          </a:p>
+        </p:txBody>
+      </p:sp>
+      <p:sp>
+        <p:nvSpPr>
+          <p:cNvPr id="94" name="Rectangle 93">
+            <a:extLst>
+              <a:ext uri="{FF2B5EF4-FFF2-40B4-BE49-F238E27FC236}">
+                <a16:creationId xmlns:a16="http://schemas.microsoft.com/office/drawing/2014/main" id="{8D42B8BD-40AF-488E-8A79-D7256C917229}"/>
+              </a:ext>
+              <a:ext uri="{C183D7F6-B498-43B3-948B-1728B52AA6E4}">
+                <adec:decorative xmlns:adec="http://schemas.microsoft.com/office/drawing/2017/decorative" val="1"/>
+              </a:ext>
+            </a:extLst>
+          </p:cNvPr>
+          <p:cNvSpPr>
+            <a:spLocks noGrp="1" noRot="1" noChangeAspect="1" noMove="1" noResize="1" noEditPoints="1" noAdjustHandles="1" noChangeArrowheads="1" noChangeShapeType="1" noTextEdit="1"/>
+          </p:cNvSpPr>
+          <p:nvPr>
+            <p:extLst>
+              <p:ext uri="{386F3935-93C4-4BCD-93E2-E3B085C9AB24}">
+                <p16:designElem xmlns:p16="http://schemas.microsoft.com/office/powerpoint/2015/main" val="1"/>
+              </p:ext>
+            </p:extLst>
+          </p:nvPr>
+        </p:nvSpPr>
+        <p:spPr>
+          <a:xfrm flipH="1">
+            <a:off x="4038600" y="6400799"/>
+            <a:ext cx="8153398" cy="456772"/>
+          </a:xfrm>
+          <a:prstGeom prst="rect">
+            <a:avLst/>
+          </a:prstGeom>
+          <a:gradFill>
+            <a:gsLst>
+              <a:gs pos="0">
+                <a:srgbClr val="000000">
+                  <a:alpha val="63000"/>
+                </a:srgbClr>
+              </a:gs>
+              <a:gs pos="100000">
+                <a:schemeClr val="accent1">
+                  <a:lumMod val="75000"/>
+                </a:schemeClr>
+              </a:gs>
+            </a:gsLst>
+            <a:lin ang="13800000" scaled="0"/>
+          </a:gradFill>
+          <a:ln>
+            <a:noFill/>
+          </a:ln>
+        </p:spPr>
+        <p:style>
+          <a:lnRef idx="2">
+            <a:schemeClr val="accent1">
+              <a:shade val="50000"/>
+            </a:schemeClr>
+          </a:lnRef>
+          <a:fillRef idx="1">
+            <a:schemeClr val="accent1"/>
+          </a:fillRef>
+          <a:effectRef idx="0">
+            <a:schemeClr val="accent1"/>
+          </a:effectRef>
+          <a:fontRef idx="minor">
+            <a:schemeClr val="lt1"/>
+          </a:fontRef>
+        </p:style>
+        <p:txBody>
+          <a:bodyPr rtlCol="0" anchor="ctr"/>
+          <a:lstStyle/>
+          <a:p>
+            <a:pPr algn="ctr"/>
+            <a:endParaRPr lang="en-US"/>
+          </a:p>
+        </p:txBody>
+      </p:sp>
+      <p:pic>
+        <p:nvPicPr>
+          <p:cNvPr id="8" name="Picture 7" descr="Chart, histogram&#10;&#10;Description automatically generated">
+            <a:extLst>
+              <a:ext uri="{FF2B5EF4-FFF2-40B4-BE49-F238E27FC236}">
+                <a16:creationId xmlns:a16="http://schemas.microsoft.com/office/drawing/2014/main" id="{0A98F4BE-A9DA-4998-941B-67A1F21DCC9D}"/>
+              </a:ext>
+            </a:extLst>
+          </p:cNvPr>
+          <p:cNvPicPr>
+            <a:picLocks noChangeAspect="1"/>
+          </p:cNvPicPr>
+          <p:nvPr/>
+        </p:nvPicPr>
+        <p:blipFill>
+          <a:blip r:embed="rId3">
+            <a:extLst>
+              <a:ext uri="{28A0092B-C50C-407E-A947-70E740481C1C}">
+                <a14:useLocalDpi xmlns:a14="http://schemas.microsoft.com/office/drawing/2010/main" val="0"/>
+              </a:ext>
+            </a:extLst>
+          </a:blip>
+          <a:stretch>
+            <a:fillRect/>
+          </a:stretch>
+        </p:blipFill>
+        <p:spPr>
+          <a:xfrm>
+            <a:off x="2951483" y="138364"/>
+            <a:ext cx="6289033" cy="4307228"/>
+          </a:xfrm>
+          <a:prstGeom prst="rect">
+            <a:avLst/>
+          </a:prstGeom>
+        </p:spPr>
+      </p:pic>
     </p:spTree>
     <p:extLst>
       <p:ext uri="{BB962C8B-B14F-4D97-AF65-F5344CB8AC3E}">
-        <p14:creationId xmlns:p14="http://schemas.microsoft.com/office/powerpoint/2010/main" val="1212017446"/>
+        <p14:creationId xmlns:p14="http://schemas.microsoft.com/office/powerpoint/2010/main" val="2557450904"/>
       </p:ext>
     </p:extLst>
   </p:cSld>
   <p:clrMapOvr>
-    <a:overrideClrMapping bg1="lt1" tx1="dk1" bg2="lt2" tx2="dk2" accent1="accent1" accent2="accent2" accent3="accent3" accent4="accent4" accent5="accent5" accent6="accent6" hlink="hlink" folHlink="folHlink"/>
+    <a:masterClrMapping/>
+  </p:clrMapOvr>
+</p:sld>
+</file>
+
+<file path=ppt/slides/slide34.xml><?xml version="1.0" encoding="utf-8"?>
+<p:sld xmlns:a="http://schemas.openxmlformats.org/drawingml/2006/main" xmlns:r="http://schemas.openxmlformats.org/officeDocument/2006/relationships" xmlns:p="http://schemas.openxmlformats.org/presentationml/2006/main">
+  <p:cSld>
+    <p:bg>
+      <p:bgPr>
+        <a:solidFill>
+          <a:schemeClr val="bg1"/>
+        </a:solidFill>
+        <a:effectLst/>
+      </p:bgPr>
+    </p:bg>
+    <p:spTree>
+      <p:nvGrpSpPr>
+        <p:cNvPr id="1" name=""/>
+        <p:cNvGrpSpPr/>
+        <p:nvPr/>
+      </p:nvGrpSpPr>
+      <p:grpSpPr>
+        <a:xfrm>
+          <a:off x="0" y="0"/>
+          <a:ext cx="0" cy="0"/>
+          <a:chOff x="0" y="0"/>
+          <a:chExt cx="0" cy="0"/>
+        </a:xfrm>
+      </p:grpSpPr>
+      <p:sp useBgFill="1">
+        <p:nvSpPr>
+          <p:cNvPr id="95" name="Rectangle 89">
+            <a:extLst>
+              <a:ext uri="{FF2B5EF4-FFF2-40B4-BE49-F238E27FC236}">
+                <a16:creationId xmlns:a16="http://schemas.microsoft.com/office/drawing/2014/main" id="{C681C32C-7AFC-4BB3-9088-65CBDFC5D1C2}"/>
+              </a:ext>
+              <a:ext uri="{C183D7F6-B498-43B3-948B-1728B52AA6E4}">
+                <adec:decorative xmlns:adec="http://schemas.microsoft.com/office/drawing/2017/decorative" val="1"/>
+              </a:ext>
+            </a:extLst>
+          </p:cNvPr>
+          <p:cNvSpPr>
+            <a:spLocks noGrp="1" noRot="1" noChangeAspect="1" noMove="1" noResize="1" noEditPoints="1" noAdjustHandles="1" noChangeArrowheads="1" noChangeShapeType="1" noTextEdit="1"/>
+          </p:cNvSpPr>
+          <p:nvPr>
+            <p:extLst>
+              <p:ext uri="{386F3935-93C4-4BCD-93E2-E3B085C9AB24}">
+                <p16:designElem xmlns:p16="http://schemas.microsoft.com/office/powerpoint/2015/main" val="1"/>
+              </p:ext>
+            </p:extLst>
+          </p:nvPr>
+        </p:nvSpPr>
+        <p:spPr>
+          <a:xfrm>
+            <a:off x="0" y="2"/>
+            <a:ext cx="12192000" cy="6857997"/>
+          </a:xfrm>
+          <a:prstGeom prst="rect">
+            <a:avLst/>
+          </a:prstGeom>
+          <a:ln>
+            <a:noFill/>
+          </a:ln>
+        </p:spPr>
+        <p:style>
+          <a:lnRef idx="2">
+            <a:schemeClr val="accent1">
+              <a:shade val="50000"/>
+            </a:schemeClr>
+          </a:lnRef>
+          <a:fillRef idx="1">
+            <a:schemeClr val="accent1"/>
+          </a:fillRef>
+          <a:effectRef idx="0">
+            <a:schemeClr val="accent1"/>
+          </a:effectRef>
+          <a:fontRef idx="minor">
+            <a:schemeClr val="lt1"/>
+          </a:fontRef>
+        </p:style>
+        <p:txBody>
+          <a:bodyPr rtlCol="0" anchor="ctr"/>
+          <a:lstStyle/>
+          <a:p>
+            <a:pPr algn="ctr"/>
+            <a:endParaRPr lang="en-US"/>
+          </a:p>
+        </p:txBody>
+      </p:sp>
+      <p:sp>
+        <p:nvSpPr>
+          <p:cNvPr id="2" name="Title 1">
+            <a:extLst>
+              <a:ext uri="{FF2B5EF4-FFF2-40B4-BE49-F238E27FC236}">
+                <a16:creationId xmlns:a16="http://schemas.microsoft.com/office/drawing/2014/main" id="{25E8FA48-27FA-46BB-8ED7-936F48B12573}"/>
+              </a:ext>
+            </a:extLst>
+          </p:cNvPr>
+          <p:cNvSpPr>
+            <a:spLocks noGrp="1"/>
+          </p:cNvSpPr>
+          <p:nvPr>
+            <p:ph type="title"/>
+          </p:nvPr>
+        </p:nvSpPr>
+        <p:spPr>
+          <a:xfrm>
+            <a:off x="917275" y="4583953"/>
+            <a:ext cx="4685857" cy="1465973"/>
+          </a:xfrm>
+        </p:spPr>
+        <p:txBody>
+          <a:bodyPr vert="horz" lIns="91440" tIns="45720" rIns="91440" bIns="45720" rtlCol="0" anchor="t">
+            <a:normAutofit fontScale="90000"/>
+          </a:bodyPr>
+          <a:lstStyle/>
+          <a:p>
+            <a:r>
+              <a:rPr lang="en-US" sz="4000" kern="1200" dirty="0">
+                <a:latin typeface="+mn-lt"/>
+                <a:ea typeface="+mn-ea"/>
+                <a:cs typeface="+mn-cs"/>
+              </a:rPr>
+              <a:t>Overall Quality VS Sale Price</a:t>
+            </a:r>
+            <a:br>
+              <a:rPr lang="en-US" sz="4000" kern="1200" dirty="0">
+                <a:latin typeface="+mn-lt"/>
+                <a:ea typeface="+mn-ea"/>
+                <a:cs typeface="+mn-cs"/>
+              </a:rPr>
+            </a:br>
+            <a:endParaRPr lang="en-US" sz="4000" kern="1200" dirty="0">
+              <a:latin typeface="+mj-lt"/>
+              <a:ea typeface="+mj-ea"/>
+              <a:cs typeface="+mj-cs"/>
+            </a:endParaRPr>
+          </a:p>
+        </p:txBody>
+      </p:sp>
+      <p:sp>
+        <p:nvSpPr>
+          <p:cNvPr id="7" name="Content Placeholder 6">
+            <a:extLst>
+              <a:ext uri="{FF2B5EF4-FFF2-40B4-BE49-F238E27FC236}">
+                <a16:creationId xmlns:a16="http://schemas.microsoft.com/office/drawing/2014/main" id="{C2981C57-CEF6-47F3-9163-0469D460AE21}"/>
+              </a:ext>
+            </a:extLst>
+          </p:cNvPr>
+          <p:cNvSpPr>
+            <a:spLocks noGrp="1"/>
+          </p:cNvSpPr>
+          <p:nvPr>
+            <p:ph idx="1"/>
+          </p:nvPr>
+        </p:nvSpPr>
+        <p:spPr>
+          <a:xfrm>
+            <a:off x="6096000" y="4583953"/>
+            <a:ext cx="5638800" cy="1465973"/>
+          </a:xfrm>
+        </p:spPr>
+        <p:txBody>
+          <a:bodyPr>
+            <a:normAutofit/>
+          </a:bodyPr>
+          <a:lstStyle/>
+          <a:p>
+            <a:r>
+              <a:rPr lang="en-US" sz="2000" dirty="0"/>
+              <a:t>This plot is also one of the most insightful ones. It reveals the positive correlation between the </a:t>
+            </a:r>
+            <a:r>
+              <a:rPr lang="en-US" sz="2000" dirty="0" err="1"/>
+              <a:t>the</a:t>
+            </a:r>
+            <a:r>
+              <a:rPr lang="en-US" sz="2000" dirty="0"/>
+              <a:t> heating quality and the price. It also shows that houses with central air conditioning generally have higher prices.</a:t>
+            </a:r>
+            <a:endParaRPr lang="en-GB" sz="2000" dirty="0"/>
+          </a:p>
+        </p:txBody>
+      </p:sp>
+      <p:sp>
+        <p:nvSpPr>
+          <p:cNvPr id="96" name="Rectangle 91">
+            <a:extLst>
+              <a:ext uri="{FF2B5EF4-FFF2-40B4-BE49-F238E27FC236}">
+                <a16:creationId xmlns:a16="http://schemas.microsoft.com/office/drawing/2014/main" id="{199C0ED0-69DE-4C31-A5CF-E2A46FD30226}"/>
+              </a:ext>
+              <a:ext uri="{C183D7F6-B498-43B3-948B-1728B52AA6E4}">
+                <adec:decorative xmlns:adec="http://schemas.microsoft.com/office/drawing/2017/decorative" val="1"/>
+              </a:ext>
+            </a:extLst>
+          </p:cNvPr>
+          <p:cNvSpPr>
+            <a:spLocks noGrp="1" noRot="1" noChangeAspect="1" noMove="1" noResize="1" noEditPoints="1" noAdjustHandles="1" noChangeArrowheads="1" noChangeShapeType="1" noTextEdit="1"/>
+          </p:cNvSpPr>
+          <p:nvPr>
+            <p:extLst>
+              <p:ext uri="{386F3935-93C4-4BCD-93E2-E3B085C9AB24}">
+                <p16:designElem xmlns:p16="http://schemas.microsoft.com/office/powerpoint/2015/main" val="1"/>
+              </p:ext>
+            </p:extLst>
+          </p:nvPr>
+        </p:nvSpPr>
+        <p:spPr>
+          <a:xfrm rot="10800000" flipH="1">
+            <a:off x="0" y="6400799"/>
+            <a:ext cx="12192000" cy="456773"/>
+          </a:xfrm>
+          <a:prstGeom prst="rect">
+            <a:avLst/>
+          </a:prstGeom>
+          <a:gradFill>
+            <a:gsLst>
+              <a:gs pos="0">
+                <a:schemeClr val="accent1"/>
+              </a:gs>
+              <a:gs pos="78000">
+                <a:srgbClr val="000000"/>
+              </a:gs>
+            </a:gsLst>
+            <a:lin ang="2400000" scaled="0"/>
+          </a:gradFill>
+          <a:ln>
+            <a:noFill/>
+          </a:ln>
+        </p:spPr>
+        <p:style>
+          <a:lnRef idx="2">
+            <a:schemeClr val="accent1">
+              <a:shade val="50000"/>
+            </a:schemeClr>
+          </a:lnRef>
+          <a:fillRef idx="1">
+            <a:schemeClr val="accent1"/>
+          </a:fillRef>
+          <a:effectRef idx="0">
+            <a:schemeClr val="accent1"/>
+          </a:effectRef>
+          <a:fontRef idx="minor">
+            <a:schemeClr val="lt1"/>
+          </a:fontRef>
+        </p:style>
+        <p:txBody>
+          <a:bodyPr rtlCol="0" anchor="ctr"/>
+          <a:lstStyle/>
+          <a:p>
+            <a:pPr algn="ctr"/>
+            <a:endParaRPr lang="en-US"/>
+          </a:p>
+        </p:txBody>
+      </p:sp>
+      <p:sp>
+        <p:nvSpPr>
+          <p:cNvPr id="94" name="Rectangle 93">
+            <a:extLst>
+              <a:ext uri="{FF2B5EF4-FFF2-40B4-BE49-F238E27FC236}">
+                <a16:creationId xmlns:a16="http://schemas.microsoft.com/office/drawing/2014/main" id="{8D42B8BD-40AF-488E-8A79-D7256C917229}"/>
+              </a:ext>
+              <a:ext uri="{C183D7F6-B498-43B3-948B-1728B52AA6E4}">
+                <adec:decorative xmlns:adec="http://schemas.microsoft.com/office/drawing/2017/decorative" val="1"/>
+              </a:ext>
+            </a:extLst>
+          </p:cNvPr>
+          <p:cNvSpPr>
+            <a:spLocks noGrp="1" noRot="1" noChangeAspect="1" noMove="1" noResize="1" noEditPoints="1" noAdjustHandles="1" noChangeArrowheads="1" noChangeShapeType="1" noTextEdit="1"/>
+          </p:cNvSpPr>
+          <p:nvPr>
+            <p:extLst>
+              <p:ext uri="{386F3935-93C4-4BCD-93E2-E3B085C9AB24}">
+                <p16:designElem xmlns:p16="http://schemas.microsoft.com/office/powerpoint/2015/main" val="1"/>
+              </p:ext>
+            </p:extLst>
+          </p:nvPr>
+        </p:nvSpPr>
+        <p:spPr>
+          <a:xfrm flipH="1">
+            <a:off x="4038600" y="6400799"/>
+            <a:ext cx="8153398" cy="456772"/>
+          </a:xfrm>
+          <a:prstGeom prst="rect">
+            <a:avLst/>
+          </a:prstGeom>
+          <a:gradFill>
+            <a:gsLst>
+              <a:gs pos="0">
+                <a:srgbClr val="000000">
+                  <a:alpha val="63000"/>
+                </a:srgbClr>
+              </a:gs>
+              <a:gs pos="100000">
+                <a:schemeClr val="accent1">
+                  <a:lumMod val="75000"/>
+                </a:schemeClr>
+              </a:gs>
+            </a:gsLst>
+            <a:lin ang="13800000" scaled="0"/>
+          </a:gradFill>
+          <a:ln>
+            <a:noFill/>
+          </a:ln>
+        </p:spPr>
+        <p:style>
+          <a:lnRef idx="2">
+            <a:schemeClr val="accent1">
+              <a:shade val="50000"/>
+            </a:schemeClr>
+          </a:lnRef>
+          <a:fillRef idx="1">
+            <a:schemeClr val="accent1"/>
+          </a:fillRef>
+          <a:effectRef idx="0">
+            <a:schemeClr val="accent1"/>
+          </a:effectRef>
+          <a:fontRef idx="minor">
+            <a:schemeClr val="lt1"/>
+          </a:fontRef>
+        </p:style>
+        <p:txBody>
+          <a:bodyPr rtlCol="0" anchor="ctr"/>
+          <a:lstStyle/>
+          <a:p>
+            <a:pPr algn="ctr"/>
+            <a:endParaRPr lang="en-US"/>
+          </a:p>
+        </p:txBody>
+      </p:sp>
+      <p:pic>
+        <p:nvPicPr>
+          <p:cNvPr id="6" name="Picture 5" descr="Chart, box and whisker chart&#10;&#10;Description automatically generated">
+            <a:extLst>
+              <a:ext uri="{FF2B5EF4-FFF2-40B4-BE49-F238E27FC236}">
+                <a16:creationId xmlns:a16="http://schemas.microsoft.com/office/drawing/2014/main" id="{C3DDA197-53B3-4378-AF32-BF9DBF93C81E}"/>
+              </a:ext>
+            </a:extLst>
+          </p:cNvPr>
+          <p:cNvPicPr>
+            <a:picLocks noChangeAspect="1"/>
+          </p:cNvPicPr>
+          <p:nvPr/>
+        </p:nvPicPr>
+        <p:blipFill>
+          <a:blip r:embed="rId3">
+            <a:extLst>
+              <a:ext uri="{28A0092B-C50C-407E-A947-70E740481C1C}">
+                <a14:useLocalDpi xmlns:a14="http://schemas.microsoft.com/office/drawing/2010/main" val="0"/>
+              </a:ext>
+            </a:extLst>
+          </a:blip>
+          <a:stretch>
+            <a:fillRect/>
+          </a:stretch>
+        </p:blipFill>
+        <p:spPr>
+          <a:xfrm>
+            <a:off x="2889250" y="145678"/>
+            <a:ext cx="6413500" cy="4292600"/>
+          </a:xfrm>
+          <a:prstGeom prst="rect">
+            <a:avLst/>
+          </a:prstGeom>
+        </p:spPr>
+      </p:pic>
+    </p:spTree>
+    <p:extLst>
+      <p:ext uri="{BB962C8B-B14F-4D97-AF65-F5344CB8AC3E}">
+        <p14:creationId xmlns:p14="http://schemas.microsoft.com/office/powerpoint/2010/main" val="905686011"/>
+      </p:ext>
+    </p:extLst>
+  </p:cSld>
+  <p:clrMapOvr>
+    <a:masterClrMapping/>
   </p:clrMapOvr>
 </p:sld>
 </file>

--- a/projects-for-the-practical-exam/house-pricing/presentation.pptx
+++ b/projects-for-the-practical-exam/house-pricing/presentation.pptx
@@ -7416,28 +7416,28 @@
               <a:buNone/>
             </a:pPr>
             <a:r>
-              <a:rPr lang="en-US" sz="2200" dirty="0" err="1">
+              <a:rPr lang="en-US" sz="2200" b="1" dirty="0" err="1">
                 <a:latin typeface="Courier New" panose="02070309020205020404" pitchFamily="49" charset="0"/>
                 <a:cs typeface="Courier New" panose="02070309020205020404" pitchFamily="49" charset="0"/>
               </a:rPr>
               <a:t>df.drop_duplicates</a:t>
             </a:r>
             <a:r>
-              <a:rPr lang="en-US" sz="2200" dirty="0">
+              <a:rPr lang="en-US" sz="2200" b="1" dirty="0">
                 <a:latin typeface="Courier New" panose="02070309020205020404" pitchFamily="49" charset="0"/>
                 <a:cs typeface="Courier New" panose="02070309020205020404" pitchFamily="49" charset="0"/>
               </a:rPr>
               <a:t>(</a:t>
             </a:r>
             <a:r>
-              <a:rPr lang="en-US" sz="2200" dirty="0" err="1">
+              <a:rPr lang="en-US" sz="2200" b="1" dirty="0" err="1">
                 <a:latin typeface="Courier New" panose="02070309020205020404" pitchFamily="49" charset="0"/>
                 <a:cs typeface="Courier New" panose="02070309020205020404" pitchFamily="49" charset="0"/>
               </a:rPr>
               <a:t>inplace</a:t>
             </a:r>
             <a:r>
-              <a:rPr lang="en-US" sz="2200" dirty="0">
+              <a:rPr lang="en-US" sz="2200" b="1" dirty="0">
                 <a:latin typeface="Courier New" panose="02070309020205020404" pitchFamily="49" charset="0"/>
                 <a:cs typeface="Courier New" panose="02070309020205020404" pitchFamily="49" charset="0"/>
               </a:rPr>
@@ -7917,35 +7917,35 @@
               <a:buNone/>
             </a:pPr>
             <a:r>
-              <a:rPr lang="en-US" sz="2200" dirty="0">
+              <a:rPr lang="en-US" sz="2200" b="1" dirty="0">
                 <a:latin typeface="Courier New" panose="02070309020205020404" pitchFamily="49" charset="0"/>
                 <a:cs typeface="Courier New" panose="02070309020205020404" pitchFamily="49" charset="0"/>
               </a:rPr>
               <a:t>df = </a:t>
             </a:r>
             <a:r>
-              <a:rPr lang="en-US" sz="2200" dirty="0" err="1">
+              <a:rPr lang="en-US" sz="2200" b="1" dirty="0" err="1">
                 <a:latin typeface="Courier New" panose="02070309020205020404" pitchFamily="49" charset="0"/>
                 <a:cs typeface="Courier New" panose="02070309020205020404" pitchFamily="49" charset="0"/>
               </a:rPr>
               <a:t>df.dropna</a:t>
             </a:r>
             <a:r>
-              <a:rPr lang="en-US" sz="2200" dirty="0">
+              <a:rPr lang="en-US" sz="2200" b="1" dirty="0">
                 <a:latin typeface="Courier New" panose="02070309020205020404" pitchFamily="49" charset="0"/>
                 <a:cs typeface="Courier New" panose="02070309020205020404" pitchFamily="49" charset="0"/>
               </a:rPr>
               <a:t>(how='</a:t>
             </a:r>
             <a:r>
-              <a:rPr lang="en-US" sz="2200" dirty="0" err="1">
+              <a:rPr lang="en-US" sz="2200" b="1" dirty="0" err="1">
                 <a:latin typeface="Courier New" panose="02070309020205020404" pitchFamily="49" charset="0"/>
                 <a:cs typeface="Courier New" panose="02070309020205020404" pitchFamily="49" charset="0"/>
               </a:rPr>
               <a:t>any',axis</a:t>
             </a:r>
             <a:r>
-              <a:rPr lang="en-US" sz="2200" dirty="0">
+              <a:rPr lang="en-US" sz="2200" b="1" dirty="0">
                 <a:latin typeface="Courier New" panose="02070309020205020404" pitchFamily="49" charset="0"/>
                 <a:cs typeface="Courier New" panose="02070309020205020404" pitchFamily="49" charset="0"/>
               </a:rPr>
@@ -33904,27 +33904,27 @@
               <a:buNone/>
             </a:pPr>
             <a:r>
-              <a:rPr lang="en-US" sz="2000" dirty="0">
+              <a:rPr lang="en-US" sz="2000" b="1" dirty="0">
                 <a:latin typeface="Courier New" panose="02070309020205020404" pitchFamily="49" charset="0"/>
                 <a:cs typeface="Courier New" panose="02070309020205020404" pitchFamily="49" charset="0"/>
               </a:rPr>
               <a:t>df = </a:t>
             </a:r>
             <a:r>
-              <a:rPr lang="en-US" sz="2000" dirty="0" err="1">
+              <a:rPr lang="en-US" sz="2000" b="1" dirty="0" err="1">
                 <a:latin typeface="Courier New" panose="02070309020205020404" pitchFamily="49" charset="0"/>
                 <a:cs typeface="Courier New" panose="02070309020205020404" pitchFamily="49" charset="0"/>
               </a:rPr>
               <a:t>pd.read_csv</a:t>
             </a:r>
             <a:r>
-              <a:rPr lang="en-US" sz="2000" dirty="0">
+              <a:rPr lang="en-US" sz="2000" b="1" dirty="0">
                 <a:latin typeface="Courier New" panose="02070309020205020404" pitchFamily="49" charset="0"/>
                 <a:cs typeface="Courier New" panose="02070309020205020404" pitchFamily="49" charset="0"/>
               </a:rPr>
               <a:t>('dataset.csv’)</a:t>
             </a:r>
-            <a:endParaRPr lang="en-US" sz="2400" dirty="0"/>
+            <a:endParaRPr lang="en-US" sz="2400" b="1" dirty="0"/>
           </a:p>
           <a:p>
             <a:endParaRPr lang="en-US" sz="2400" dirty="0"/>

--- a/projects-for-the-practical-exam/house-pricing/presentation.pptx
+++ b/projects-for-the-practical-exam/house-pricing/presentation.pptx
@@ -8448,7 +8448,7 @@
         </p:blipFill>
         <p:spPr>
           <a:xfrm>
-            <a:off x="5850820" y="3688914"/>
+            <a:off x="5850820" y="3607704"/>
             <a:ext cx="5197995" cy="3209691"/>
           </a:xfrm>
           <a:prstGeom prst="rect">
@@ -14874,6 +14874,21 @@
               <a:t>Lot Area – Sale Price Distribution</a:t>
             </a:r>
           </a:p>
+          <a:p>
+            <a:pPr marL="0" indent="0">
+              <a:buNone/>
+            </a:pPr>
+            <a:r>
+              <a:rPr lang="en-US" sz="2000" dirty="0">
+                <a:solidFill>
+                  <a:schemeClr val="bg1">
+                    <a:alpha val="60000"/>
+                  </a:schemeClr>
+                </a:solidFill>
+              </a:rPr>
+              <a:t>We used a kind of plot called ‘heatmap’.</a:t>
+            </a:r>
+          </a:p>
         </p:txBody>
       </p:sp>
       <p:pic>
@@ -14904,7 +14919,7 @@
         </p:blipFill>
         <p:spPr>
           <a:xfrm>
-            <a:off x="5411053" y="1369142"/>
+            <a:off x="5412764" y="1369142"/>
             <a:ext cx="6014185" cy="4119716"/>
           </a:xfrm>
           <a:prstGeom prst="rect">
@@ -31896,7 +31911,7 @@
         </p:blipFill>
         <p:spPr>
           <a:xfrm>
-            <a:off x="20" y="-50939"/>
+            <a:off x="20" y="-102310"/>
             <a:ext cx="12191980" cy="4244759"/>
           </a:xfrm>
           <a:prstGeom prst="rect">
@@ -38733,7 +38748,7 @@
         </p:blipFill>
         <p:spPr>
           <a:xfrm>
-            <a:off x="295086" y="466881"/>
+            <a:off x="295086" y="415510"/>
             <a:ext cx="11705286" cy="2106951"/>
           </a:xfrm>
           <a:prstGeom prst="rect">
@@ -48353,7 +48368,7 @@
         </p:blipFill>
         <p:spPr>
           <a:xfrm>
-            <a:off x="2404720" y="493160"/>
+            <a:off x="2404720" y="390419"/>
             <a:ext cx="7382558" cy="3100675"/>
           </a:xfrm>
           <a:prstGeom prst="rect">

--- a/projects-for-the-practical-exam/house-pricing/presentation.pptx
+++ b/projects-for-the-practical-exam/house-pricing/presentation.pptx
@@ -231,7 +231,7 @@
           <a:p>
             <a:fld id="{4564ABB3-C6FF-4E70-9037-81AA41F3FDC2}" type="datetimeFigureOut">
               <a:rPr lang="en-GB" smtClean="0"/>
-              <a:t>04/01/2022</a:t>
+              <a:t>05/01/2022</a:t>
             </a:fld>
             <a:endParaRPr lang="en-GB"/>
           </a:p>
@@ -1910,7 +1910,7 @@
           <a:p>
             <a:fld id="{2F3E8B1C-86EF-43CF-8304-249481088644}" type="datetimeFigureOut">
               <a:rPr lang="en-US" smtClean="0"/>
-              <a:t>1/4/2022</a:t>
+              <a:t>1/5/2022</a:t>
             </a:fld>
             <a:endParaRPr lang="en-US"/>
           </a:p>
@@ -2108,7 +2108,7 @@
           <a:p>
             <a:fld id="{2F3E8B1C-86EF-43CF-8304-249481088644}" type="datetimeFigureOut">
               <a:rPr lang="en-US" smtClean="0"/>
-              <a:t>1/4/2022</a:t>
+              <a:t>1/5/2022</a:t>
             </a:fld>
             <a:endParaRPr lang="en-US"/>
           </a:p>
@@ -2316,7 +2316,7 @@
           <a:p>
             <a:fld id="{2F3E8B1C-86EF-43CF-8304-249481088644}" type="datetimeFigureOut">
               <a:rPr lang="en-US" smtClean="0"/>
-              <a:t>1/4/2022</a:t>
+              <a:t>1/5/2022</a:t>
             </a:fld>
             <a:endParaRPr lang="en-US"/>
           </a:p>
@@ -2516,7 +2516,7 @@
           <a:p>
             <a:fld id="{1CB9D56B-6EBE-4E5F-99D9-2A3DBDF37D0A}" type="datetime1">
               <a:rPr lang="en-US" smtClean="0"/>
-              <a:t>1/4/2022</a:t>
+              <a:t>1/5/2022</a:t>
             </a:fld>
             <a:endParaRPr lang="en-US"/>
           </a:p>
@@ -2717,7 +2717,7 @@
           <a:p>
             <a:fld id="{2F3E8B1C-86EF-43CF-8304-249481088644}" type="datetimeFigureOut">
               <a:rPr lang="en-US" smtClean="0"/>
-              <a:t>1/4/2022</a:t>
+              <a:t>1/5/2022</a:t>
             </a:fld>
             <a:endParaRPr lang="en-US"/>
           </a:p>
@@ -2992,7 +2992,7 @@
           <a:p>
             <a:fld id="{2F3E8B1C-86EF-43CF-8304-249481088644}" type="datetimeFigureOut">
               <a:rPr lang="en-US" smtClean="0"/>
-              <a:t>1/4/2022</a:t>
+              <a:t>1/5/2022</a:t>
             </a:fld>
             <a:endParaRPr lang="en-US"/>
           </a:p>
@@ -3262,7 +3262,7 @@
           <a:p>
             <a:fld id="{2F3E8B1C-86EF-43CF-8304-249481088644}" type="datetimeFigureOut">
               <a:rPr lang="en-US" smtClean="0"/>
-              <a:t>1/4/2022</a:t>
+              <a:t>1/5/2022</a:t>
             </a:fld>
             <a:endParaRPr lang="en-US"/>
           </a:p>
@@ -3682,7 +3682,7 @@
           <a:p>
             <a:fld id="{2F3E8B1C-86EF-43CF-8304-249481088644}" type="datetimeFigureOut">
               <a:rPr lang="en-US" smtClean="0"/>
-              <a:t>1/4/2022</a:t>
+              <a:t>1/5/2022</a:t>
             </a:fld>
             <a:endParaRPr lang="en-US"/>
           </a:p>
@@ -3823,7 +3823,7 @@
           <a:p>
             <a:fld id="{2F3E8B1C-86EF-43CF-8304-249481088644}" type="datetimeFigureOut">
               <a:rPr lang="en-US" smtClean="0"/>
-              <a:t>1/4/2022</a:t>
+              <a:t>1/5/2022</a:t>
             </a:fld>
             <a:endParaRPr lang="en-US"/>
           </a:p>
@@ -3936,7 +3936,7 @@
           <a:p>
             <a:fld id="{2F3E8B1C-86EF-43CF-8304-249481088644}" type="datetimeFigureOut">
               <a:rPr lang="en-US" smtClean="0"/>
-              <a:t>1/4/2022</a:t>
+              <a:t>1/5/2022</a:t>
             </a:fld>
             <a:endParaRPr lang="en-US"/>
           </a:p>
@@ -4247,7 +4247,7 @@
           <a:p>
             <a:fld id="{2F3E8B1C-86EF-43CF-8304-249481088644}" type="datetimeFigureOut">
               <a:rPr lang="en-US" smtClean="0"/>
-              <a:t>1/4/2022</a:t>
+              <a:t>1/5/2022</a:t>
             </a:fld>
             <a:endParaRPr lang="en-US"/>
           </a:p>
@@ -4535,7 +4535,7 @@
           <a:p>
             <a:fld id="{2F3E8B1C-86EF-43CF-8304-249481088644}" type="datetimeFigureOut">
               <a:rPr lang="en-US" smtClean="0"/>
-              <a:t>1/4/2022</a:t>
+              <a:t>1/5/2022</a:t>
             </a:fld>
             <a:endParaRPr lang="en-US"/>
           </a:p>
@@ -4776,7 +4776,7 @@
             <a:fld id="{2F3E8B1C-86EF-43CF-8304-249481088644}" type="datetimeFigureOut">
               <a:rPr lang="en-US" smtClean="0"/>
               <a:pPr/>
-              <a:t>1/4/2022</a:t>
+              <a:t>1/5/2022</a:t>
             </a:fld>
             <a:endParaRPr lang="en-US" dirty="0"/>
           </a:p>
@@ -5431,7 +5431,7 @@
             <a:fld id="{193BAB95-8DA7-460B-B00A-7037C8394FB0}" type="datetime1">
               <a:rPr lang="en-US" smtClean="0"/>
               <a:pPr/>
-              <a:t>1/4/2022</a:t>
+              <a:t>1/5/2022</a:t>
             </a:fld>
             <a:endParaRPr lang="en-US" dirty="0"/>
           </a:p>
@@ -8448,7 +8448,7 @@
         </p:blipFill>
         <p:spPr>
           <a:xfrm>
-            <a:off x="5850820" y="3607704"/>
+            <a:off x="5850820" y="3720720"/>
             <a:ext cx="5197995" cy="3209691"/>
           </a:xfrm>
           <a:prstGeom prst="rect">
@@ -12134,7 +12134,7 @@
         </p:blipFill>
         <p:spPr>
           <a:xfrm>
-            <a:off x="6986165" y="347472"/>
+            <a:off x="6986165" y="193361"/>
             <a:ext cx="4554482" cy="2971800"/>
           </a:xfrm>
           <a:prstGeom prst="rect">
@@ -12170,7 +12170,7 @@
         </p:blipFill>
         <p:spPr>
           <a:xfrm>
-            <a:off x="6941686" y="3566160"/>
+            <a:off x="6941686" y="3720273"/>
             <a:ext cx="4643437" cy="2971800"/>
           </a:xfrm>
           <a:prstGeom prst="rect">
